--- a/Slides/03. OpenCV核心功能介紹.pptx
+++ b/Slides/03. OpenCV核心功能介紹.pptx
@@ -136,7 +136,7 @@
   </p:defaultTextStyle>
   <p:extLst>
     <p:ext uri="{EFAFB233-063F-42B5-8137-9DF3F51BA10A}">
-      <p15:sldGuideLst xmlns:p15="http://schemas.microsoft.com/office/powerpoint/2012/main" xmlns="">
+      <p15:sldGuideLst xmlns="" xmlns:p15="http://schemas.microsoft.com/office/powerpoint/2012/main">
         <p15:guide id="1" orient="horz" pos="2160">
           <p15:clr>
             <a:srgbClr val="A4A3A4"/>
@@ -150,7 +150,7 @@
       </p15:sldGuideLst>
     </p:ext>
     <p:ext uri="{2D200454-40CA-4A62-9FC3-DE9A4176ACB9}">
-      <p15:notesGuideLst xmlns:p15="http://schemas.microsoft.com/office/powerpoint/2012/main" xmlns=""/>
+      <p15:notesGuideLst xmlns="" xmlns:p15="http://schemas.microsoft.com/office/powerpoint/2012/main"/>
     </p:ext>
   </p:extLst>
 </p:presentation>
@@ -241,7 +241,7 @@
             <a:fld id="{68F88C59-319B-4332-9A1D-2A62CFCB00D8}" type="datetimeFigureOut">
               <a:rPr lang="en-US" smtClean="0"/>
               <a:pPr/>
-              <a:t>9/23/2020</a:t>
+              <a:t>3/21/2021</a:t>
             </a:fld>
             <a:endParaRPr lang="en-US" dirty="0"/>
           </a:p>
@@ -319,7 +319,7 @@
     </p:spTree>
     <p:extLst>
       <p:ext uri="{BB962C8B-B14F-4D97-AF65-F5344CB8AC3E}">
-        <p14:creationId xmlns:p14="http://schemas.microsoft.com/office/powerpoint/2010/main" xmlns="" val="2345123278"/>
+        <p14:creationId xmlns="" xmlns:p14="http://schemas.microsoft.com/office/powerpoint/2010/main" val="2345123278"/>
       </p:ext>
     </p:extLst>
   </p:cSld>
@@ -412,7 +412,7 @@
             <a:fld id="{968B300D-05F0-4B43-940D-46DED5A791AD}" type="datetimeFigureOut">
               <a:rPr lang="en-US" smtClean="0"/>
               <a:pPr/>
-              <a:t>9/23/2020</a:t>
+              <a:t>3/21/2021</a:t>
             </a:fld>
             <a:endParaRPr lang="en-US" dirty="0"/>
           </a:p>
@@ -584,7 +584,7 @@
     </p:spTree>
     <p:extLst>
       <p:ext uri="{BB962C8B-B14F-4D97-AF65-F5344CB8AC3E}">
-        <p14:creationId xmlns:p14="http://schemas.microsoft.com/office/powerpoint/2010/main" xmlns="" val="623787478"/>
+        <p14:creationId xmlns="" xmlns:p14="http://schemas.microsoft.com/office/powerpoint/2010/main" val="623787478"/>
       </p:ext>
     </p:extLst>
   </p:cSld>
@@ -760,7 +760,7 @@
     </p:spTree>
     <p:extLst>
       <p:ext uri="{BB962C8B-B14F-4D97-AF65-F5344CB8AC3E}">
-        <p14:creationId xmlns:p14="http://schemas.microsoft.com/office/powerpoint/2010/main" xmlns="" val="2659555247"/>
+        <p14:creationId xmlns="" xmlns:p14="http://schemas.microsoft.com/office/powerpoint/2010/main" val="2659555247"/>
       </p:ext>
     </p:extLst>
   </p:cSld>
@@ -845,7 +845,7 @@
     </p:spTree>
     <p:extLst>
       <p:ext uri="{BB962C8B-B14F-4D97-AF65-F5344CB8AC3E}">
-        <p14:creationId xmlns:p14="http://schemas.microsoft.com/office/powerpoint/2010/main" xmlns="" val="2659555247"/>
+        <p14:creationId xmlns="" xmlns:p14="http://schemas.microsoft.com/office/powerpoint/2010/main" val="2659555247"/>
       </p:ext>
     </p:extLst>
   </p:cSld>
@@ -930,7 +930,7 @@
     </p:spTree>
     <p:extLst>
       <p:ext uri="{BB962C8B-B14F-4D97-AF65-F5344CB8AC3E}">
-        <p14:creationId xmlns:p14="http://schemas.microsoft.com/office/powerpoint/2010/main" xmlns="" val="2659555247"/>
+        <p14:creationId xmlns="" xmlns:p14="http://schemas.microsoft.com/office/powerpoint/2010/main" val="2659555247"/>
       </p:ext>
     </p:extLst>
   </p:cSld>
@@ -1015,7 +1015,7 @@
     </p:spTree>
     <p:extLst>
       <p:ext uri="{BB962C8B-B14F-4D97-AF65-F5344CB8AC3E}">
-        <p14:creationId xmlns:p14="http://schemas.microsoft.com/office/powerpoint/2010/main" xmlns="" val="2659555247"/>
+        <p14:creationId xmlns="" xmlns:p14="http://schemas.microsoft.com/office/powerpoint/2010/main" val="2659555247"/>
       </p:ext>
     </p:extLst>
   </p:cSld>
@@ -1100,7 +1100,7 @@
     </p:spTree>
     <p:extLst>
       <p:ext uri="{BB962C8B-B14F-4D97-AF65-F5344CB8AC3E}">
-        <p14:creationId xmlns:p14="http://schemas.microsoft.com/office/powerpoint/2010/main" xmlns="" val="2659555247"/>
+        <p14:creationId xmlns="" xmlns:p14="http://schemas.microsoft.com/office/powerpoint/2010/main" val="2659555247"/>
       </p:ext>
     </p:extLst>
   </p:cSld>
@@ -1185,7 +1185,7 @@
     </p:spTree>
     <p:extLst>
       <p:ext uri="{BB962C8B-B14F-4D97-AF65-F5344CB8AC3E}">
-        <p14:creationId xmlns:p14="http://schemas.microsoft.com/office/powerpoint/2010/main" xmlns="" val="2659555247"/>
+        <p14:creationId xmlns="" xmlns:p14="http://schemas.microsoft.com/office/powerpoint/2010/main" val="2659555247"/>
       </p:ext>
     </p:extLst>
   </p:cSld>
@@ -1270,7 +1270,7 @@
     </p:spTree>
     <p:extLst>
       <p:ext uri="{BB962C8B-B14F-4D97-AF65-F5344CB8AC3E}">
-        <p14:creationId xmlns:p14="http://schemas.microsoft.com/office/powerpoint/2010/main" xmlns="" val="2659555247"/>
+        <p14:creationId xmlns="" xmlns:p14="http://schemas.microsoft.com/office/powerpoint/2010/main" val="2659555247"/>
       </p:ext>
     </p:extLst>
   </p:cSld>
@@ -1355,7 +1355,7 @@
     </p:spTree>
     <p:extLst>
       <p:ext uri="{BB962C8B-B14F-4D97-AF65-F5344CB8AC3E}">
-        <p14:creationId xmlns:p14="http://schemas.microsoft.com/office/powerpoint/2010/main" xmlns="" val="2659555247"/>
+        <p14:creationId xmlns="" xmlns:p14="http://schemas.microsoft.com/office/powerpoint/2010/main" val="2659555247"/>
       </p:ext>
     </p:extLst>
   </p:cSld>
@@ -1440,7 +1440,7 @@
     </p:spTree>
     <p:extLst>
       <p:ext uri="{BB962C8B-B14F-4D97-AF65-F5344CB8AC3E}">
-        <p14:creationId xmlns:p14="http://schemas.microsoft.com/office/powerpoint/2010/main" xmlns="" val="2659555247"/>
+        <p14:creationId xmlns="" xmlns:p14="http://schemas.microsoft.com/office/powerpoint/2010/main" val="2659555247"/>
       </p:ext>
     </p:extLst>
   </p:cSld>
@@ -1525,7 +1525,7 @@
     </p:spTree>
     <p:extLst>
       <p:ext uri="{BB962C8B-B14F-4D97-AF65-F5344CB8AC3E}">
-        <p14:creationId xmlns:p14="http://schemas.microsoft.com/office/powerpoint/2010/main" xmlns="" val="2659555247"/>
+        <p14:creationId xmlns="" xmlns:p14="http://schemas.microsoft.com/office/powerpoint/2010/main" val="2659555247"/>
       </p:ext>
     </p:extLst>
   </p:cSld>
@@ -1610,7 +1610,7 @@
     </p:spTree>
     <p:extLst>
       <p:ext uri="{BB962C8B-B14F-4D97-AF65-F5344CB8AC3E}">
-        <p14:creationId xmlns:p14="http://schemas.microsoft.com/office/powerpoint/2010/main" xmlns="" val="2659555247"/>
+        <p14:creationId xmlns="" xmlns:p14="http://schemas.microsoft.com/office/powerpoint/2010/main" val="2659555247"/>
       </p:ext>
     </p:extLst>
   </p:cSld>
@@ -1695,7 +1695,7 @@
     </p:spTree>
     <p:extLst>
       <p:ext uri="{BB962C8B-B14F-4D97-AF65-F5344CB8AC3E}">
-        <p14:creationId xmlns:p14="http://schemas.microsoft.com/office/powerpoint/2010/main" xmlns="" val="2659555247"/>
+        <p14:creationId xmlns="" xmlns:p14="http://schemas.microsoft.com/office/powerpoint/2010/main" val="2659555247"/>
       </p:ext>
     </p:extLst>
   </p:cSld>
@@ -1780,7 +1780,7 @@
     </p:spTree>
     <p:extLst>
       <p:ext uri="{BB962C8B-B14F-4D97-AF65-F5344CB8AC3E}">
-        <p14:creationId xmlns:p14="http://schemas.microsoft.com/office/powerpoint/2010/main" xmlns="" val="2659555247"/>
+        <p14:creationId xmlns="" xmlns:p14="http://schemas.microsoft.com/office/powerpoint/2010/main" val="2659555247"/>
       </p:ext>
     </p:extLst>
   </p:cSld>
@@ -1865,7 +1865,7 @@
     </p:spTree>
     <p:extLst>
       <p:ext uri="{BB962C8B-B14F-4D97-AF65-F5344CB8AC3E}">
-        <p14:creationId xmlns:p14="http://schemas.microsoft.com/office/powerpoint/2010/main" xmlns="" val="2659555247"/>
+        <p14:creationId xmlns="" xmlns:p14="http://schemas.microsoft.com/office/powerpoint/2010/main" val="2659555247"/>
       </p:ext>
     </p:extLst>
   </p:cSld>
@@ -1950,7 +1950,7 @@
     </p:spTree>
     <p:extLst>
       <p:ext uri="{BB962C8B-B14F-4D97-AF65-F5344CB8AC3E}">
-        <p14:creationId xmlns:p14="http://schemas.microsoft.com/office/powerpoint/2010/main" xmlns="" val="2659555247"/>
+        <p14:creationId xmlns="" xmlns:p14="http://schemas.microsoft.com/office/powerpoint/2010/main" val="2659555247"/>
       </p:ext>
     </p:extLst>
   </p:cSld>
@@ -2035,7 +2035,7 @@
     </p:spTree>
     <p:extLst>
       <p:ext uri="{BB962C8B-B14F-4D97-AF65-F5344CB8AC3E}">
-        <p14:creationId xmlns:p14="http://schemas.microsoft.com/office/powerpoint/2010/main" xmlns="" val="2659555247"/>
+        <p14:creationId xmlns="" xmlns:p14="http://schemas.microsoft.com/office/powerpoint/2010/main" val="2659555247"/>
       </p:ext>
     </p:extLst>
   </p:cSld>
@@ -2120,7 +2120,7 @@
     </p:spTree>
     <p:extLst>
       <p:ext uri="{BB962C8B-B14F-4D97-AF65-F5344CB8AC3E}">
-        <p14:creationId xmlns:p14="http://schemas.microsoft.com/office/powerpoint/2010/main" xmlns="" val="2659555247"/>
+        <p14:creationId xmlns="" xmlns:p14="http://schemas.microsoft.com/office/powerpoint/2010/main" val="2659555247"/>
       </p:ext>
     </p:extLst>
   </p:cSld>
@@ -2205,7 +2205,7 @@
     </p:spTree>
     <p:extLst>
       <p:ext uri="{BB962C8B-B14F-4D97-AF65-F5344CB8AC3E}">
-        <p14:creationId xmlns:p14="http://schemas.microsoft.com/office/powerpoint/2010/main" xmlns="" val="2659555247"/>
+        <p14:creationId xmlns="" xmlns:p14="http://schemas.microsoft.com/office/powerpoint/2010/main" val="2659555247"/>
       </p:ext>
     </p:extLst>
   </p:cSld>
@@ -2290,7 +2290,7 @@
     </p:spTree>
     <p:extLst>
       <p:ext uri="{BB962C8B-B14F-4D97-AF65-F5344CB8AC3E}">
-        <p14:creationId xmlns:p14="http://schemas.microsoft.com/office/powerpoint/2010/main" xmlns="" val="2659555247"/>
+        <p14:creationId xmlns="" xmlns:p14="http://schemas.microsoft.com/office/powerpoint/2010/main" val="2659555247"/>
       </p:ext>
     </p:extLst>
   </p:cSld>
@@ -2375,7 +2375,7 @@
     </p:spTree>
     <p:extLst>
       <p:ext uri="{BB962C8B-B14F-4D97-AF65-F5344CB8AC3E}">
-        <p14:creationId xmlns:p14="http://schemas.microsoft.com/office/powerpoint/2010/main" xmlns="" val="2659555247"/>
+        <p14:creationId xmlns="" xmlns:p14="http://schemas.microsoft.com/office/powerpoint/2010/main" val="2659555247"/>
       </p:ext>
     </p:extLst>
   </p:cSld>
@@ -2460,7 +2460,7 @@
     </p:spTree>
     <p:extLst>
       <p:ext uri="{BB962C8B-B14F-4D97-AF65-F5344CB8AC3E}">
-        <p14:creationId xmlns:p14="http://schemas.microsoft.com/office/powerpoint/2010/main" xmlns="" val="2659555247"/>
+        <p14:creationId xmlns="" xmlns:p14="http://schemas.microsoft.com/office/powerpoint/2010/main" val="2659555247"/>
       </p:ext>
     </p:extLst>
   </p:cSld>
@@ -2545,7 +2545,7 @@
     </p:spTree>
     <p:extLst>
       <p:ext uri="{BB962C8B-B14F-4D97-AF65-F5344CB8AC3E}">
-        <p14:creationId xmlns:p14="http://schemas.microsoft.com/office/powerpoint/2010/main" xmlns="" val="2659555247"/>
+        <p14:creationId xmlns="" xmlns:p14="http://schemas.microsoft.com/office/powerpoint/2010/main" val="2659555247"/>
       </p:ext>
     </p:extLst>
   </p:cSld>
@@ -2630,7 +2630,7 @@
     </p:spTree>
     <p:extLst>
       <p:ext uri="{BB962C8B-B14F-4D97-AF65-F5344CB8AC3E}">
-        <p14:creationId xmlns:p14="http://schemas.microsoft.com/office/powerpoint/2010/main" xmlns="" val="2659555247"/>
+        <p14:creationId xmlns="" xmlns:p14="http://schemas.microsoft.com/office/powerpoint/2010/main" val="2659555247"/>
       </p:ext>
     </p:extLst>
   </p:cSld>
@@ -2715,7 +2715,7 @@
     </p:spTree>
     <p:extLst>
       <p:ext uri="{BB962C8B-B14F-4D97-AF65-F5344CB8AC3E}">
-        <p14:creationId xmlns:p14="http://schemas.microsoft.com/office/powerpoint/2010/main" xmlns="" val="2659555247"/>
+        <p14:creationId xmlns="" xmlns:p14="http://schemas.microsoft.com/office/powerpoint/2010/main" val="2659555247"/>
       </p:ext>
     </p:extLst>
   </p:cSld>
@@ -2800,7 +2800,7 @@
     </p:spTree>
     <p:extLst>
       <p:ext uri="{BB962C8B-B14F-4D97-AF65-F5344CB8AC3E}">
-        <p14:creationId xmlns:p14="http://schemas.microsoft.com/office/powerpoint/2010/main" xmlns="" val="2659555247"/>
+        <p14:creationId xmlns="" xmlns:p14="http://schemas.microsoft.com/office/powerpoint/2010/main" val="2659555247"/>
       </p:ext>
     </p:extLst>
   </p:cSld>
@@ -2885,7 +2885,7 @@
     </p:spTree>
     <p:extLst>
       <p:ext uri="{BB962C8B-B14F-4D97-AF65-F5344CB8AC3E}">
-        <p14:creationId xmlns:p14="http://schemas.microsoft.com/office/powerpoint/2010/main" xmlns="" val="2659555247"/>
+        <p14:creationId xmlns="" xmlns:p14="http://schemas.microsoft.com/office/powerpoint/2010/main" val="2659555247"/>
       </p:ext>
     </p:extLst>
   </p:cSld>
@@ -2970,7 +2970,7 @@
     </p:spTree>
     <p:extLst>
       <p:ext uri="{BB962C8B-B14F-4D97-AF65-F5344CB8AC3E}">
-        <p14:creationId xmlns:p14="http://schemas.microsoft.com/office/powerpoint/2010/main" xmlns="" val="2659555247"/>
+        <p14:creationId xmlns="" xmlns:p14="http://schemas.microsoft.com/office/powerpoint/2010/main" val="2659555247"/>
       </p:ext>
     </p:extLst>
   </p:cSld>
@@ -3288,7 +3288,7 @@
                 </a:solidFill>
               </a:rPr>
               <a:pPr/>
-              <a:t>9/23/2020</a:t>
+              <a:t>3/21/2021</a:t>
             </a:fld>
             <a:endParaRPr kumimoji="0" lang="en-US" dirty="0"/>
           </a:p>
@@ -3679,7 +3679,7 @@
                 </a:solidFill>
               </a:rPr>
               <a:pPr/>
-              <a:t>9/23/2020</a:t>
+              <a:t>3/21/2021</a:t>
             </a:fld>
             <a:endParaRPr kumimoji="0" lang="en-US" dirty="0"/>
           </a:p>
@@ -4014,7 +4014,7 @@
                 </a:solidFill>
               </a:rPr>
               <a:pPr/>
-              <a:t>9/23/2020</a:t>
+              <a:t>3/21/2021</a:t>
             </a:fld>
             <a:endParaRPr kumimoji="0" lang="en-US" dirty="0"/>
           </a:p>
@@ -4590,7 +4590,7 @@
                 </a:solidFill>
               </a:rPr>
               <a:pPr/>
-              <a:t>9/23/2020</a:t>
+              <a:t>3/21/2021</a:t>
             </a:fld>
             <a:endParaRPr kumimoji="0" lang="en-US" dirty="0"/>
           </a:p>
@@ -5154,7 +5154,7 @@
                 </a:solidFill>
               </a:rPr>
               <a:pPr/>
-              <a:t>9/23/2020</a:t>
+              <a:t>3/21/2021</a:t>
             </a:fld>
             <a:endParaRPr kumimoji="0" lang="en-US" dirty="0"/>
           </a:p>
@@ -5613,7 +5613,7 @@
                 </a:solidFill>
               </a:rPr>
               <a:pPr/>
-              <a:t>9/23/2020</a:t>
+              <a:t>3/21/2021</a:t>
             </a:fld>
             <a:endParaRPr kumimoji="0" lang="en-US" dirty="0"/>
           </a:p>
@@ -6037,7 +6037,7 @@
                 </a:solidFill>
               </a:rPr>
               <a:pPr/>
-              <a:t>9/23/2020</a:t>
+              <a:t>3/21/2021</a:t>
             </a:fld>
             <a:endParaRPr kumimoji="0" lang="en-US" dirty="0"/>
           </a:p>
@@ -6541,7 +6541,7 @@
                 </a:solidFill>
               </a:rPr>
               <a:pPr/>
-              <a:t>9/23/2020</a:t>
+              <a:t>3/21/2021</a:t>
             </a:fld>
             <a:endParaRPr kumimoji="0" lang="en-US" dirty="0"/>
           </a:p>
@@ -7045,7 +7045,7 @@
                 </a:solidFill>
               </a:rPr>
               <a:pPr/>
-              <a:t>9/23/2020</a:t>
+              <a:t>3/21/2021</a:t>
             </a:fld>
             <a:endParaRPr kumimoji="0" lang="en-US" dirty="0"/>
           </a:p>
@@ -7261,7 +7261,7 @@
                 </a:solidFill>
               </a:rPr>
               <a:pPr/>
-              <a:t>9/23/2020</a:t>
+              <a:t>3/21/2021</a:t>
             </a:fld>
             <a:endParaRPr kumimoji="0" lang="en-US" dirty="0"/>
           </a:p>
@@ -7589,7 +7589,7 @@
                 </a:solidFill>
               </a:rPr>
               <a:pPr/>
-              <a:t>9/23/2020</a:t>
+              <a:t>3/21/2021</a:t>
             </a:fld>
             <a:endParaRPr kumimoji="0" lang="en-US" dirty="0"/>
           </a:p>
@@ -7815,7 +7815,7 @@
                 </a:solidFill>
               </a:rPr>
               <a:pPr/>
-              <a:t>9/23/2020</a:t>
+              <a:t>3/21/2021</a:t>
             </a:fld>
             <a:endParaRPr kumimoji="0" lang="en-US" dirty="0"/>
           </a:p>
@@ -8034,7 +8034,7 @@
                 </a:solidFill>
               </a:rPr>
               <a:pPr/>
-              <a:t>9/23/2020</a:t>
+              <a:t>3/21/2021</a:t>
             </a:fld>
             <a:endParaRPr kumimoji="0" lang="en-US" dirty="0"/>
           </a:p>
@@ -8210,7 +8210,7 @@
             <a:fld id="{ACB2EC6F-6501-4E04-BD6C-A8A6CABB2C5B}" type="datetimeFigureOut">
               <a:rPr kumimoji="0" lang="en-US" smtClean="0"/>
               <a:pPr/>
-              <a:t>9/23/2020</a:t>
+              <a:t>3/21/2021</a:t>
             </a:fld>
             <a:endParaRPr kumimoji="0" lang="en-US" dirty="0"/>
           </a:p>
@@ -8455,7 +8455,7 @@
                 </a:solidFill>
               </a:rPr>
               <a:pPr/>
-              <a:t>9/23/2020</a:t>
+              <a:t>3/21/2021</a:t>
             </a:fld>
             <a:endParaRPr kumimoji="0" lang="en-US" dirty="0"/>
           </a:p>
@@ -8927,7 +8927,7 @@
                 </a:solidFill>
               </a:rPr>
               <a:pPr/>
-              <a:t>9/23/2020</a:t>
+              <a:t>3/21/2021</a:t>
             </a:fld>
             <a:endParaRPr kumimoji="0" lang="en-US" dirty="0"/>
           </a:p>
@@ -9279,7 +9279,7 @@
                 </a:solidFill>
               </a:rPr>
               <a:pPr/>
-              <a:t>9/23/2020</a:t>
+              <a:t>3/21/2021</a:t>
             </a:fld>
             <a:endParaRPr kumimoji="0" lang="en-US" dirty="0"/>
           </a:p>
@@ -9637,7 +9637,7 @@
                 </a:solidFill>
               </a:rPr>
               <a:pPr/>
-              <a:t>9/23/2020</a:t>
+              <a:t>3/21/2021</a:t>
             </a:fld>
             <a:endParaRPr kumimoji="0" lang="en-US" dirty="0"/>
           </a:p>
@@ -9942,7 +9942,7 @@
                 </a:solidFill>
               </a:rPr>
               <a:pPr/>
-              <a:t>9/23/2020</a:t>
+              <a:t>3/21/2021</a:t>
             </a:fld>
             <a:endParaRPr kumimoji="0" lang="en-US" dirty="0"/>
           </a:p>
@@ -10418,7 +10418,7 @@
                 </a:solidFill>
               </a:rPr>
               <a:pPr/>
-              <a:t>9/23/2020</a:t>
+              <a:t>3/21/2021</a:t>
             </a:fld>
             <a:endParaRPr kumimoji="0" lang="en-US" dirty="0"/>
           </a:p>
@@ -10655,7 +10655,7 @@
                 </a:solidFill>
               </a:rPr>
               <a:pPr/>
-              <a:t>9/23/2020</a:t>
+              <a:t>3/21/2021</a:t>
             </a:fld>
             <a:endParaRPr kumimoji="0" lang="en-US" sz="1200" dirty="0">
               <a:solidFill>
@@ -11575,7 +11575,7 @@
     </p:spTree>
     <p:extLst>
       <p:ext uri="{BB962C8B-B14F-4D97-AF65-F5344CB8AC3E}">
-        <p14:creationId xmlns:p14="http://schemas.microsoft.com/office/powerpoint/2010/main" xmlns="" val="522405798"/>
+        <p14:creationId xmlns="" xmlns:p14="http://schemas.microsoft.com/office/powerpoint/2010/main" val="522405798"/>
       </p:ext>
     </p:extLst>
   </p:cSld>
@@ -11846,7 +11846,7 @@
     </p:spTree>
     <p:extLst>
       <p:ext uri="{BB962C8B-B14F-4D97-AF65-F5344CB8AC3E}">
-        <p14:creationId xmlns:p14="http://schemas.microsoft.com/office/powerpoint/2010/main" xmlns="" val="522405798"/>
+        <p14:creationId xmlns="" xmlns:p14="http://schemas.microsoft.com/office/powerpoint/2010/main" val="522405798"/>
       </p:ext>
     </p:extLst>
   </p:cSld>
@@ -11963,7 +11963,7 @@
     </p:spTree>
     <p:extLst>
       <p:ext uri="{BB962C8B-B14F-4D97-AF65-F5344CB8AC3E}">
-        <p14:creationId xmlns:p14="http://schemas.microsoft.com/office/powerpoint/2010/main" xmlns="" val="522405798"/>
+        <p14:creationId xmlns="" xmlns:p14="http://schemas.microsoft.com/office/powerpoint/2010/main" val="522405798"/>
       </p:ext>
     </p:extLst>
   </p:cSld>
@@ -12112,7 +12112,7 @@
     </p:spTree>
     <p:extLst>
       <p:ext uri="{BB962C8B-B14F-4D97-AF65-F5344CB8AC3E}">
-        <p14:creationId xmlns:p14="http://schemas.microsoft.com/office/powerpoint/2010/main" xmlns="" val="522405798"/>
+        <p14:creationId xmlns="" xmlns:p14="http://schemas.microsoft.com/office/powerpoint/2010/main" val="522405798"/>
       </p:ext>
     </p:extLst>
   </p:cSld>
@@ -12454,7 +12454,7 @@
     </p:spTree>
     <p:extLst>
       <p:ext uri="{BB962C8B-B14F-4D97-AF65-F5344CB8AC3E}">
-        <p14:creationId xmlns:p14="http://schemas.microsoft.com/office/powerpoint/2010/main" xmlns="" val="522405798"/>
+        <p14:creationId xmlns="" xmlns:p14="http://schemas.microsoft.com/office/powerpoint/2010/main" val="522405798"/>
       </p:ext>
     </p:extLst>
   </p:cSld>
@@ -12725,7 +12725,7 @@
     </p:spTree>
     <p:extLst>
       <p:ext uri="{BB962C8B-B14F-4D97-AF65-F5344CB8AC3E}">
-        <p14:creationId xmlns:p14="http://schemas.microsoft.com/office/powerpoint/2010/main" xmlns="" val="522405798"/>
+        <p14:creationId xmlns="" xmlns:p14="http://schemas.microsoft.com/office/powerpoint/2010/main" val="522405798"/>
       </p:ext>
     </p:extLst>
   </p:cSld>
@@ -12874,7 +12874,7 @@
     </p:spTree>
     <p:extLst>
       <p:ext uri="{BB962C8B-B14F-4D97-AF65-F5344CB8AC3E}">
-        <p14:creationId xmlns:p14="http://schemas.microsoft.com/office/powerpoint/2010/main" xmlns="" val="522405798"/>
+        <p14:creationId xmlns="" xmlns:p14="http://schemas.microsoft.com/office/powerpoint/2010/main" val="522405798"/>
       </p:ext>
     </p:extLst>
   </p:cSld>
@@ -13145,7 +13145,7 @@
     </p:spTree>
     <p:extLst>
       <p:ext uri="{BB962C8B-B14F-4D97-AF65-F5344CB8AC3E}">
-        <p14:creationId xmlns:p14="http://schemas.microsoft.com/office/powerpoint/2010/main" xmlns="" val="522405798"/>
+        <p14:creationId xmlns="" xmlns:p14="http://schemas.microsoft.com/office/powerpoint/2010/main" val="522405798"/>
       </p:ext>
     </p:extLst>
   </p:cSld>
@@ -13294,7 +13294,7 @@
     </p:spTree>
     <p:extLst>
       <p:ext uri="{BB962C8B-B14F-4D97-AF65-F5344CB8AC3E}">
-        <p14:creationId xmlns:p14="http://schemas.microsoft.com/office/powerpoint/2010/main" xmlns="" val="522405798"/>
+        <p14:creationId xmlns="" xmlns:p14="http://schemas.microsoft.com/office/powerpoint/2010/main" val="522405798"/>
       </p:ext>
     </p:extLst>
   </p:cSld>
@@ -13607,7 +13607,7 @@
     </p:spTree>
     <p:extLst>
       <p:ext uri="{BB962C8B-B14F-4D97-AF65-F5344CB8AC3E}">
-        <p14:creationId xmlns:p14="http://schemas.microsoft.com/office/powerpoint/2010/main" xmlns="" val="522405798"/>
+        <p14:creationId xmlns="" xmlns:p14="http://schemas.microsoft.com/office/powerpoint/2010/main" val="522405798"/>
       </p:ext>
     </p:extLst>
   </p:cSld>
@@ -13870,7 +13870,7 @@
     </p:spTree>
     <p:extLst>
       <p:ext uri="{BB962C8B-B14F-4D97-AF65-F5344CB8AC3E}">
-        <p14:creationId xmlns:p14="http://schemas.microsoft.com/office/powerpoint/2010/main" xmlns="" val="522405798"/>
+        <p14:creationId xmlns="" xmlns:p14="http://schemas.microsoft.com/office/powerpoint/2010/main" val="522405798"/>
       </p:ext>
     </p:extLst>
   </p:cSld>
@@ -14099,7 +14099,7 @@
     </p:spTree>
     <p:extLst>
       <p:ext uri="{BB962C8B-B14F-4D97-AF65-F5344CB8AC3E}">
-        <p14:creationId xmlns:p14="http://schemas.microsoft.com/office/powerpoint/2010/main" xmlns="" val="522405798"/>
+        <p14:creationId xmlns="" xmlns:p14="http://schemas.microsoft.com/office/powerpoint/2010/main" val="522405798"/>
       </p:ext>
     </p:extLst>
   </p:cSld>
@@ -14362,7 +14362,7 @@
     </p:spTree>
     <p:extLst>
       <p:ext uri="{BB962C8B-B14F-4D97-AF65-F5344CB8AC3E}">
-        <p14:creationId xmlns:p14="http://schemas.microsoft.com/office/powerpoint/2010/main" xmlns="" val="522405798"/>
+        <p14:creationId xmlns="" xmlns:p14="http://schemas.microsoft.com/office/powerpoint/2010/main" val="522405798"/>
       </p:ext>
     </p:extLst>
   </p:cSld>
@@ -14553,7 +14553,7 @@
     </p:spTree>
     <p:extLst>
       <p:ext uri="{BB962C8B-B14F-4D97-AF65-F5344CB8AC3E}">
-        <p14:creationId xmlns:p14="http://schemas.microsoft.com/office/powerpoint/2010/main" xmlns="" val="522405798"/>
+        <p14:creationId xmlns="" xmlns:p14="http://schemas.microsoft.com/office/powerpoint/2010/main" val="522405798"/>
       </p:ext>
     </p:extLst>
   </p:cSld>
@@ -14717,7 +14717,7 @@
     </p:spTree>
     <p:extLst>
       <p:ext uri="{BB962C8B-B14F-4D97-AF65-F5344CB8AC3E}">
-        <p14:creationId xmlns:p14="http://schemas.microsoft.com/office/powerpoint/2010/main" xmlns="" val="522405798"/>
+        <p14:creationId xmlns="" xmlns:p14="http://schemas.microsoft.com/office/powerpoint/2010/main" val="522405798"/>
       </p:ext>
     </p:extLst>
   </p:cSld>
@@ -14849,7 +14849,7 @@
     </p:spTree>
     <p:extLst>
       <p:ext uri="{BB962C8B-B14F-4D97-AF65-F5344CB8AC3E}">
-        <p14:creationId xmlns:p14="http://schemas.microsoft.com/office/powerpoint/2010/main" xmlns="" val="522405798"/>
+        <p14:creationId xmlns="" xmlns:p14="http://schemas.microsoft.com/office/powerpoint/2010/main" val="522405798"/>
       </p:ext>
     </p:extLst>
   </p:cSld>
@@ -16289,7 +16289,7 @@
     </p:spTree>
     <p:extLst>
       <p:ext uri="{BB962C8B-B14F-4D97-AF65-F5344CB8AC3E}">
-        <p14:creationId xmlns:p14="http://schemas.microsoft.com/office/powerpoint/2010/main" xmlns="" val="522405798"/>
+        <p14:creationId xmlns="" xmlns:p14="http://schemas.microsoft.com/office/powerpoint/2010/main" val="522405798"/>
       </p:ext>
     </p:extLst>
   </p:cSld>
@@ -16531,7 +16531,7 @@
     </p:spTree>
     <p:extLst>
       <p:ext uri="{BB962C8B-B14F-4D97-AF65-F5344CB8AC3E}">
-        <p14:creationId xmlns:p14="http://schemas.microsoft.com/office/powerpoint/2010/main" xmlns="" val="522405798"/>
+        <p14:creationId xmlns="" xmlns:p14="http://schemas.microsoft.com/office/powerpoint/2010/main" val="522405798"/>
       </p:ext>
     </p:extLst>
   </p:cSld>
@@ -16688,7 +16688,7 @@
     </p:spTree>
     <p:extLst>
       <p:ext uri="{BB962C8B-B14F-4D97-AF65-F5344CB8AC3E}">
-        <p14:creationId xmlns:p14="http://schemas.microsoft.com/office/powerpoint/2010/main" xmlns="" val="522405798"/>
+        <p14:creationId xmlns="" xmlns:p14="http://schemas.microsoft.com/office/powerpoint/2010/main" val="522405798"/>
       </p:ext>
     </p:extLst>
   </p:cSld>
@@ -16925,7 +16925,7 @@
     </p:spTree>
     <p:extLst>
       <p:ext uri="{BB962C8B-B14F-4D97-AF65-F5344CB8AC3E}">
-        <p14:creationId xmlns:p14="http://schemas.microsoft.com/office/powerpoint/2010/main" xmlns="" val="522405798"/>
+        <p14:creationId xmlns="" xmlns:p14="http://schemas.microsoft.com/office/powerpoint/2010/main" val="522405798"/>
       </p:ext>
     </p:extLst>
   </p:cSld>
@@ -17133,7 +17133,7 @@
     </p:spTree>
     <p:extLst>
       <p:ext uri="{BB962C8B-B14F-4D97-AF65-F5344CB8AC3E}">
-        <p14:creationId xmlns:p14="http://schemas.microsoft.com/office/powerpoint/2010/main" xmlns="" val="522405798"/>
+        <p14:creationId xmlns="" xmlns:p14="http://schemas.microsoft.com/office/powerpoint/2010/main" val="522405798"/>
       </p:ext>
     </p:extLst>
   </p:cSld>
@@ -17365,7 +17365,7 @@
     </p:spTree>
     <p:extLst>
       <p:ext uri="{BB962C8B-B14F-4D97-AF65-F5344CB8AC3E}">
-        <p14:creationId xmlns:p14="http://schemas.microsoft.com/office/powerpoint/2010/main" xmlns="" val="522405798"/>
+        <p14:creationId xmlns="" xmlns:p14="http://schemas.microsoft.com/office/powerpoint/2010/main" val="522405798"/>
       </p:ext>
     </p:extLst>
   </p:cSld>
@@ -17529,7 +17529,7 @@
     </p:spTree>
     <p:extLst>
       <p:ext uri="{BB962C8B-B14F-4D97-AF65-F5344CB8AC3E}">
-        <p14:creationId xmlns:p14="http://schemas.microsoft.com/office/powerpoint/2010/main" xmlns="" val="522405798"/>
+        <p14:creationId xmlns="" xmlns:p14="http://schemas.microsoft.com/office/powerpoint/2010/main" val="522405798"/>
       </p:ext>
     </p:extLst>
   </p:cSld>
@@ -17782,7 +17782,7 @@
     </p:spTree>
     <p:extLst>
       <p:ext uri="{BB962C8B-B14F-4D97-AF65-F5344CB8AC3E}">
-        <p14:creationId xmlns:p14="http://schemas.microsoft.com/office/powerpoint/2010/main" xmlns="" val="522405798"/>
+        <p14:creationId xmlns="" xmlns:p14="http://schemas.microsoft.com/office/powerpoint/2010/main" val="522405798"/>
       </p:ext>
     </p:extLst>
   </p:cSld>
@@ -17914,7 +17914,7 @@
     </p:spTree>
     <p:extLst>
       <p:ext uri="{BB962C8B-B14F-4D97-AF65-F5344CB8AC3E}">
-        <p14:creationId xmlns:p14="http://schemas.microsoft.com/office/powerpoint/2010/main" xmlns="" val="522405798"/>
+        <p14:creationId xmlns="" xmlns:p14="http://schemas.microsoft.com/office/powerpoint/2010/main" val="522405798"/>
       </p:ext>
     </p:extLst>
   </p:cSld>
@@ -18063,7 +18063,7 @@
     </p:spTree>
     <p:extLst>
       <p:ext uri="{BB962C8B-B14F-4D97-AF65-F5344CB8AC3E}">
-        <p14:creationId xmlns:p14="http://schemas.microsoft.com/office/powerpoint/2010/main" xmlns="" val="522405798"/>
+        <p14:creationId xmlns="" xmlns:p14="http://schemas.microsoft.com/office/powerpoint/2010/main" val="522405798"/>
       </p:ext>
     </p:extLst>
   </p:cSld>
@@ -18380,7 +18380,7 @@
     </p:spTree>
     <p:extLst>
       <p:ext uri="{BB962C8B-B14F-4D97-AF65-F5344CB8AC3E}">
-        <p14:creationId xmlns:p14="http://schemas.microsoft.com/office/powerpoint/2010/main" xmlns="" val="522405798"/>
+        <p14:creationId xmlns="" xmlns:p14="http://schemas.microsoft.com/office/powerpoint/2010/main" val="522405798"/>
       </p:ext>
     </p:extLst>
   </p:cSld>

--- a/Slides/03. OpenCV核心功能介紹.pptx
+++ b/Slides/03. OpenCV核心功能介紹.pptx
@@ -136,7 +136,7 @@
   </p:defaultTextStyle>
   <p:extLst>
     <p:ext uri="{EFAFB233-063F-42B5-8137-9DF3F51BA10A}">
-      <p15:sldGuideLst xmlns="" xmlns:p15="http://schemas.microsoft.com/office/powerpoint/2012/main">
+      <p15:sldGuideLst xmlns:p15="http://schemas.microsoft.com/office/powerpoint/2012/main" xmlns="">
         <p15:guide id="1" orient="horz" pos="2160">
           <p15:clr>
             <a:srgbClr val="A4A3A4"/>
@@ -150,7 +150,7 @@
       </p15:sldGuideLst>
     </p:ext>
     <p:ext uri="{2D200454-40CA-4A62-9FC3-DE9A4176ACB9}">
-      <p15:notesGuideLst xmlns="" xmlns:p15="http://schemas.microsoft.com/office/powerpoint/2012/main"/>
+      <p15:notesGuideLst xmlns:p15="http://schemas.microsoft.com/office/powerpoint/2012/main" xmlns=""/>
     </p:ext>
   </p:extLst>
 </p:presentation>
@@ -241,7 +241,7 @@
             <a:fld id="{68F88C59-319B-4332-9A1D-2A62CFCB00D8}" type="datetimeFigureOut">
               <a:rPr lang="en-US" smtClean="0"/>
               <a:pPr/>
-              <a:t>3/21/2021</a:t>
+              <a:t>3/28/2021</a:t>
             </a:fld>
             <a:endParaRPr lang="en-US" dirty="0"/>
           </a:p>
@@ -319,7 +319,7 @@
     </p:spTree>
     <p:extLst>
       <p:ext uri="{BB962C8B-B14F-4D97-AF65-F5344CB8AC3E}">
-        <p14:creationId xmlns="" xmlns:p14="http://schemas.microsoft.com/office/powerpoint/2010/main" val="2345123278"/>
+        <p14:creationId xmlns:p14="http://schemas.microsoft.com/office/powerpoint/2010/main" xmlns="" val="2345123278"/>
       </p:ext>
     </p:extLst>
   </p:cSld>
@@ -412,7 +412,7 @@
             <a:fld id="{968B300D-05F0-4B43-940D-46DED5A791AD}" type="datetimeFigureOut">
               <a:rPr lang="en-US" smtClean="0"/>
               <a:pPr/>
-              <a:t>3/21/2021</a:t>
+              <a:t>3/28/2021</a:t>
             </a:fld>
             <a:endParaRPr lang="en-US" dirty="0"/>
           </a:p>
@@ -584,7 +584,7 @@
     </p:spTree>
     <p:extLst>
       <p:ext uri="{BB962C8B-B14F-4D97-AF65-F5344CB8AC3E}">
-        <p14:creationId xmlns="" xmlns:p14="http://schemas.microsoft.com/office/powerpoint/2010/main" val="623787478"/>
+        <p14:creationId xmlns:p14="http://schemas.microsoft.com/office/powerpoint/2010/main" xmlns="" val="623787478"/>
       </p:ext>
     </p:extLst>
   </p:cSld>
@@ -760,7 +760,7 @@
     </p:spTree>
     <p:extLst>
       <p:ext uri="{BB962C8B-B14F-4D97-AF65-F5344CB8AC3E}">
-        <p14:creationId xmlns="" xmlns:p14="http://schemas.microsoft.com/office/powerpoint/2010/main" val="2659555247"/>
+        <p14:creationId xmlns:p14="http://schemas.microsoft.com/office/powerpoint/2010/main" xmlns="" val="2659555247"/>
       </p:ext>
     </p:extLst>
   </p:cSld>
@@ -845,7 +845,7 @@
     </p:spTree>
     <p:extLst>
       <p:ext uri="{BB962C8B-B14F-4D97-AF65-F5344CB8AC3E}">
-        <p14:creationId xmlns="" xmlns:p14="http://schemas.microsoft.com/office/powerpoint/2010/main" val="2659555247"/>
+        <p14:creationId xmlns:p14="http://schemas.microsoft.com/office/powerpoint/2010/main" xmlns="" val="2659555247"/>
       </p:ext>
     </p:extLst>
   </p:cSld>
@@ -930,7 +930,7 @@
     </p:spTree>
     <p:extLst>
       <p:ext uri="{BB962C8B-B14F-4D97-AF65-F5344CB8AC3E}">
-        <p14:creationId xmlns="" xmlns:p14="http://schemas.microsoft.com/office/powerpoint/2010/main" val="2659555247"/>
+        <p14:creationId xmlns:p14="http://schemas.microsoft.com/office/powerpoint/2010/main" xmlns="" val="2659555247"/>
       </p:ext>
     </p:extLst>
   </p:cSld>
@@ -1015,7 +1015,7 @@
     </p:spTree>
     <p:extLst>
       <p:ext uri="{BB962C8B-B14F-4D97-AF65-F5344CB8AC3E}">
-        <p14:creationId xmlns="" xmlns:p14="http://schemas.microsoft.com/office/powerpoint/2010/main" val="2659555247"/>
+        <p14:creationId xmlns:p14="http://schemas.microsoft.com/office/powerpoint/2010/main" xmlns="" val="2659555247"/>
       </p:ext>
     </p:extLst>
   </p:cSld>
@@ -1100,7 +1100,7 @@
     </p:spTree>
     <p:extLst>
       <p:ext uri="{BB962C8B-B14F-4D97-AF65-F5344CB8AC3E}">
-        <p14:creationId xmlns="" xmlns:p14="http://schemas.microsoft.com/office/powerpoint/2010/main" val="2659555247"/>
+        <p14:creationId xmlns:p14="http://schemas.microsoft.com/office/powerpoint/2010/main" xmlns="" val="2659555247"/>
       </p:ext>
     </p:extLst>
   </p:cSld>
@@ -1185,7 +1185,7 @@
     </p:spTree>
     <p:extLst>
       <p:ext uri="{BB962C8B-B14F-4D97-AF65-F5344CB8AC3E}">
-        <p14:creationId xmlns="" xmlns:p14="http://schemas.microsoft.com/office/powerpoint/2010/main" val="2659555247"/>
+        <p14:creationId xmlns:p14="http://schemas.microsoft.com/office/powerpoint/2010/main" xmlns="" val="2659555247"/>
       </p:ext>
     </p:extLst>
   </p:cSld>
@@ -1270,7 +1270,7 @@
     </p:spTree>
     <p:extLst>
       <p:ext uri="{BB962C8B-B14F-4D97-AF65-F5344CB8AC3E}">
-        <p14:creationId xmlns="" xmlns:p14="http://schemas.microsoft.com/office/powerpoint/2010/main" val="2659555247"/>
+        <p14:creationId xmlns:p14="http://schemas.microsoft.com/office/powerpoint/2010/main" xmlns="" val="2659555247"/>
       </p:ext>
     </p:extLst>
   </p:cSld>
@@ -1355,7 +1355,7 @@
     </p:spTree>
     <p:extLst>
       <p:ext uri="{BB962C8B-B14F-4D97-AF65-F5344CB8AC3E}">
-        <p14:creationId xmlns="" xmlns:p14="http://schemas.microsoft.com/office/powerpoint/2010/main" val="2659555247"/>
+        <p14:creationId xmlns:p14="http://schemas.microsoft.com/office/powerpoint/2010/main" xmlns="" val="2659555247"/>
       </p:ext>
     </p:extLst>
   </p:cSld>
@@ -1440,7 +1440,7 @@
     </p:spTree>
     <p:extLst>
       <p:ext uri="{BB962C8B-B14F-4D97-AF65-F5344CB8AC3E}">
-        <p14:creationId xmlns="" xmlns:p14="http://schemas.microsoft.com/office/powerpoint/2010/main" val="2659555247"/>
+        <p14:creationId xmlns:p14="http://schemas.microsoft.com/office/powerpoint/2010/main" xmlns="" val="2659555247"/>
       </p:ext>
     </p:extLst>
   </p:cSld>
@@ -1525,7 +1525,7 @@
     </p:spTree>
     <p:extLst>
       <p:ext uri="{BB962C8B-B14F-4D97-AF65-F5344CB8AC3E}">
-        <p14:creationId xmlns="" xmlns:p14="http://schemas.microsoft.com/office/powerpoint/2010/main" val="2659555247"/>
+        <p14:creationId xmlns:p14="http://schemas.microsoft.com/office/powerpoint/2010/main" xmlns="" val="2659555247"/>
       </p:ext>
     </p:extLst>
   </p:cSld>
@@ -1610,7 +1610,7 @@
     </p:spTree>
     <p:extLst>
       <p:ext uri="{BB962C8B-B14F-4D97-AF65-F5344CB8AC3E}">
-        <p14:creationId xmlns="" xmlns:p14="http://schemas.microsoft.com/office/powerpoint/2010/main" val="2659555247"/>
+        <p14:creationId xmlns:p14="http://schemas.microsoft.com/office/powerpoint/2010/main" xmlns="" val="2659555247"/>
       </p:ext>
     </p:extLst>
   </p:cSld>
@@ -1695,7 +1695,7 @@
     </p:spTree>
     <p:extLst>
       <p:ext uri="{BB962C8B-B14F-4D97-AF65-F5344CB8AC3E}">
-        <p14:creationId xmlns="" xmlns:p14="http://schemas.microsoft.com/office/powerpoint/2010/main" val="2659555247"/>
+        <p14:creationId xmlns:p14="http://schemas.microsoft.com/office/powerpoint/2010/main" xmlns="" val="2659555247"/>
       </p:ext>
     </p:extLst>
   </p:cSld>
@@ -1780,7 +1780,7 @@
     </p:spTree>
     <p:extLst>
       <p:ext uri="{BB962C8B-B14F-4D97-AF65-F5344CB8AC3E}">
-        <p14:creationId xmlns="" xmlns:p14="http://schemas.microsoft.com/office/powerpoint/2010/main" val="2659555247"/>
+        <p14:creationId xmlns:p14="http://schemas.microsoft.com/office/powerpoint/2010/main" xmlns="" val="2659555247"/>
       </p:ext>
     </p:extLst>
   </p:cSld>
@@ -1865,7 +1865,7 @@
     </p:spTree>
     <p:extLst>
       <p:ext uri="{BB962C8B-B14F-4D97-AF65-F5344CB8AC3E}">
-        <p14:creationId xmlns="" xmlns:p14="http://schemas.microsoft.com/office/powerpoint/2010/main" val="2659555247"/>
+        <p14:creationId xmlns:p14="http://schemas.microsoft.com/office/powerpoint/2010/main" xmlns="" val="2659555247"/>
       </p:ext>
     </p:extLst>
   </p:cSld>
@@ -1950,7 +1950,7 @@
     </p:spTree>
     <p:extLst>
       <p:ext uri="{BB962C8B-B14F-4D97-AF65-F5344CB8AC3E}">
-        <p14:creationId xmlns="" xmlns:p14="http://schemas.microsoft.com/office/powerpoint/2010/main" val="2659555247"/>
+        <p14:creationId xmlns:p14="http://schemas.microsoft.com/office/powerpoint/2010/main" xmlns="" val="2659555247"/>
       </p:ext>
     </p:extLst>
   </p:cSld>
@@ -2035,7 +2035,7 @@
     </p:spTree>
     <p:extLst>
       <p:ext uri="{BB962C8B-B14F-4D97-AF65-F5344CB8AC3E}">
-        <p14:creationId xmlns="" xmlns:p14="http://schemas.microsoft.com/office/powerpoint/2010/main" val="2659555247"/>
+        <p14:creationId xmlns:p14="http://schemas.microsoft.com/office/powerpoint/2010/main" xmlns="" val="2659555247"/>
       </p:ext>
     </p:extLst>
   </p:cSld>
@@ -2120,7 +2120,7 @@
     </p:spTree>
     <p:extLst>
       <p:ext uri="{BB962C8B-B14F-4D97-AF65-F5344CB8AC3E}">
-        <p14:creationId xmlns="" xmlns:p14="http://schemas.microsoft.com/office/powerpoint/2010/main" val="2659555247"/>
+        <p14:creationId xmlns:p14="http://schemas.microsoft.com/office/powerpoint/2010/main" xmlns="" val="2659555247"/>
       </p:ext>
     </p:extLst>
   </p:cSld>
@@ -2205,7 +2205,7 @@
     </p:spTree>
     <p:extLst>
       <p:ext uri="{BB962C8B-B14F-4D97-AF65-F5344CB8AC3E}">
-        <p14:creationId xmlns="" xmlns:p14="http://schemas.microsoft.com/office/powerpoint/2010/main" val="2659555247"/>
+        <p14:creationId xmlns:p14="http://schemas.microsoft.com/office/powerpoint/2010/main" xmlns="" val="2659555247"/>
       </p:ext>
     </p:extLst>
   </p:cSld>
@@ -2290,7 +2290,7 @@
     </p:spTree>
     <p:extLst>
       <p:ext uri="{BB962C8B-B14F-4D97-AF65-F5344CB8AC3E}">
-        <p14:creationId xmlns="" xmlns:p14="http://schemas.microsoft.com/office/powerpoint/2010/main" val="2659555247"/>
+        <p14:creationId xmlns:p14="http://schemas.microsoft.com/office/powerpoint/2010/main" xmlns="" val="2659555247"/>
       </p:ext>
     </p:extLst>
   </p:cSld>
@@ -2375,7 +2375,7 @@
     </p:spTree>
     <p:extLst>
       <p:ext uri="{BB962C8B-B14F-4D97-AF65-F5344CB8AC3E}">
-        <p14:creationId xmlns="" xmlns:p14="http://schemas.microsoft.com/office/powerpoint/2010/main" val="2659555247"/>
+        <p14:creationId xmlns:p14="http://schemas.microsoft.com/office/powerpoint/2010/main" xmlns="" val="2659555247"/>
       </p:ext>
     </p:extLst>
   </p:cSld>
@@ -2460,7 +2460,7 @@
     </p:spTree>
     <p:extLst>
       <p:ext uri="{BB962C8B-B14F-4D97-AF65-F5344CB8AC3E}">
-        <p14:creationId xmlns="" xmlns:p14="http://schemas.microsoft.com/office/powerpoint/2010/main" val="2659555247"/>
+        <p14:creationId xmlns:p14="http://schemas.microsoft.com/office/powerpoint/2010/main" xmlns="" val="2659555247"/>
       </p:ext>
     </p:extLst>
   </p:cSld>
@@ -2545,7 +2545,7 @@
     </p:spTree>
     <p:extLst>
       <p:ext uri="{BB962C8B-B14F-4D97-AF65-F5344CB8AC3E}">
-        <p14:creationId xmlns="" xmlns:p14="http://schemas.microsoft.com/office/powerpoint/2010/main" val="2659555247"/>
+        <p14:creationId xmlns:p14="http://schemas.microsoft.com/office/powerpoint/2010/main" xmlns="" val="2659555247"/>
       </p:ext>
     </p:extLst>
   </p:cSld>
@@ -2630,7 +2630,7 @@
     </p:spTree>
     <p:extLst>
       <p:ext uri="{BB962C8B-B14F-4D97-AF65-F5344CB8AC3E}">
-        <p14:creationId xmlns="" xmlns:p14="http://schemas.microsoft.com/office/powerpoint/2010/main" val="2659555247"/>
+        <p14:creationId xmlns:p14="http://schemas.microsoft.com/office/powerpoint/2010/main" xmlns="" val="2659555247"/>
       </p:ext>
     </p:extLst>
   </p:cSld>
@@ -2715,7 +2715,7 @@
     </p:spTree>
     <p:extLst>
       <p:ext uri="{BB962C8B-B14F-4D97-AF65-F5344CB8AC3E}">
-        <p14:creationId xmlns="" xmlns:p14="http://schemas.microsoft.com/office/powerpoint/2010/main" val="2659555247"/>
+        <p14:creationId xmlns:p14="http://schemas.microsoft.com/office/powerpoint/2010/main" xmlns="" val="2659555247"/>
       </p:ext>
     </p:extLst>
   </p:cSld>
@@ -2800,7 +2800,7 @@
     </p:spTree>
     <p:extLst>
       <p:ext uri="{BB962C8B-B14F-4D97-AF65-F5344CB8AC3E}">
-        <p14:creationId xmlns="" xmlns:p14="http://schemas.microsoft.com/office/powerpoint/2010/main" val="2659555247"/>
+        <p14:creationId xmlns:p14="http://schemas.microsoft.com/office/powerpoint/2010/main" xmlns="" val="2659555247"/>
       </p:ext>
     </p:extLst>
   </p:cSld>
@@ -2885,7 +2885,7 @@
     </p:spTree>
     <p:extLst>
       <p:ext uri="{BB962C8B-B14F-4D97-AF65-F5344CB8AC3E}">
-        <p14:creationId xmlns="" xmlns:p14="http://schemas.microsoft.com/office/powerpoint/2010/main" val="2659555247"/>
+        <p14:creationId xmlns:p14="http://schemas.microsoft.com/office/powerpoint/2010/main" xmlns="" val="2659555247"/>
       </p:ext>
     </p:extLst>
   </p:cSld>
@@ -2970,7 +2970,7 @@
     </p:spTree>
     <p:extLst>
       <p:ext uri="{BB962C8B-B14F-4D97-AF65-F5344CB8AC3E}">
-        <p14:creationId xmlns="" xmlns:p14="http://schemas.microsoft.com/office/powerpoint/2010/main" val="2659555247"/>
+        <p14:creationId xmlns:p14="http://schemas.microsoft.com/office/powerpoint/2010/main" xmlns="" val="2659555247"/>
       </p:ext>
     </p:extLst>
   </p:cSld>
@@ -3288,7 +3288,7 @@
                 </a:solidFill>
               </a:rPr>
               <a:pPr/>
-              <a:t>3/21/2021</a:t>
+              <a:t>3/28/2021</a:t>
             </a:fld>
             <a:endParaRPr kumimoji="0" lang="en-US" dirty="0"/>
           </a:p>
@@ -3679,7 +3679,7 @@
                 </a:solidFill>
               </a:rPr>
               <a:pPr/>
-              <a:t>3/21/2021</a:t>
+              <a:t>3/28/2021</a:t>
             </a:fld>
             <a:endParaRPr kumimoji="0" lang="en-US" dirty="0"/>
           </a:p>
@@ -4014,7 +4014,7 @@
                 </a:solidFill>
               </a:rPr>
               <a:pPr/>
-              <a:t>3/21/2021</a:t>
+              <a:t>3/28/2021</a:t>
             </a:fld>
             <a:endParaRPr kumimoji="0" lang="en-US" dirty="0"/>
           </a:p>
@@ -4590,7 +4590,7 @@
                 </a:solidFill>
               </a:rPr>
               <a:pPr/>
-              <a:t>3/21/2021</a:t>
+              <a:t>3/28/2021</a:t>
             </a:fld>
             <a:endParaRPr kumimoji="0" lang="en-US" dirty="0"/>
           </a:p>
@@ -5154,7 +5154,7 @@
                 </a:solidFill>
               </a:rPr>
               <a:pPr/>
-              <a:t>3/21/2021</a:t>
+              <a:t>3/28/2021</a:t>
             </a:fld>
             <a:endParaRPr kumimoji="0" lang="en-US" dirty="0"/>
           </a:p>
@@ -5613,7 +5613,7 @@
                 </a:solidFill>
               </a:rPr>
               <a:pPr/>
-              <a:t>3/21/2021</a:t>
+              <a:t>3/28/2021</a:t>
             </a:fld>
             <a:endParaRPr kumimoji="0" lang="en-US" dirty="0"/>
           </a:p>
@@ -6037,7 +6037,7 @@
                 </a:solidFill>
               </a:rPr>
               <a:pPr/>
-              <a:t>3/21/2021</a:t>
+              <a:t>3/28/2021</a:t>
             </a:fld>
             <a:endParaRPr kumimoji="0" lang="en-US" dirty="0"/>
           </a:p>
@@ -6541,7 +6541,7 @@
                 </a:solidFill>
               </a:rPr>
               <a:pPr/>
-              <a:t>3/21/2021</a:t>
+              <a:t>3/28/2021</a:t>
             </a:fld>
             <a:endParaRPr kumimoji="0" lang="en-US" dirty="0"/>
           </a:p>
@@ -7045,7 +7045,7 @@
                 </a:solidFill>
               </a:rPr>
               <a:pPr/>
-              <a:t>3/21/2021</a:t>
+              <a:t>3/28/2021</a:t>
             </a:fld>
             <a:endParaRPr kumimoji="0" lang="en-US" dirty="0"/>
           </a:p>
@@ -7261,7 +7261,7 @@
                 </a:solidFill>
               </a:rPr>
               <a:pPr/>
-              <a:t>3/21/2021</a:t>
+              <a:t>3/28/2021</a:t>
             </a:fld>
             <a:endParaRPr kumimoji="0" lang="en-US" dirty="0"/>
           </a:p>
@@ -7589,7 +7589,7 @@
                 </a:solidFill>
               </a:rPr>
               <a:pPr/>
-              <a:t>3/21/2021</a:t>
+              <a:t>3/28/2021</a:t>
             </a:fld>
             <a:endParaRPr kumimoji="0" lang="en-US" dirty="0"/>
           </a:p>
@@ -7815,7 +7815,7 @@
                 </a:solidFill>
               </a:rPr>
               <a:pPr/>
-              <a:t>3/21/2021</a:t>
+              <a:t>3/28/2021</a:t>
             </a:fld>
             <a:endParaRPr kumimoji="0" lang="en-US" dirty="0"/>
           </a:p>
@@ -8034,7 +8034,7 @@
                 </a:solidFill>
               </a:rPr>
               <a:pPr/>
-              <a:t>3/21/2021</a:t>
+              <a:t>3/28/2021</a:t>
             </a:fld>
             <a:endParaRPr kumimoji="0" lang="en-US" dirty="0"/>
           </a:p>
@@ -8210,7 +8210,7 @@
             <a:fld id="{ACB2EC6F-6501-4E04-BD6C-A8A6CABB2C5B}" type="datetimeFigureOut">
               <a:rPr kumimoji="0" lang="en-US" smtClean="0"/>
               <a:pPr/>
-              <a:t>3/21/2021</a:t>
+              <a:t>3/28/2021</a:t>
             </a:fld>
             <a:endParaRPr kumimoji="0" lang="en-US" dirty="0"/>
           </a:p>
@@ -8455,7 +8455,7 @@
                 </a:solidFill>
               </a:rPr>
               <a:pPr/>
-              <a:t>3/21/2021</a:t>
+              <a:t>3/28/2021</a:t>
             </a:fld>
             <a:endParaRPr kumimoji="0" lang="en-US" dirty="0"/>
           </a:p>
@@ -8927,7 +8927,7 @@
                 </a:solidFill>
               </a:rPr>
               <a:pPr/>
-              <a:t>3/21/2021</a:t>
+              <a:t>3/28/2021</a:t>
             </a:fld>
             <a:endParaRPr kumimoji="0" lang="en-US" dirty="0"/>
           </a:p>
@@ -9279,7 +9279,7 @@
                 </a:solidFill>
               </a:rPr>
               <a:pPr/>
-              <a:t>3/21/2021</a:t>
+              <a:t>3/28/2021</a:t>
             </a:fld>
             <a:endParaRPr kumimoji="0" lang="en-US" dirty="0"/>
           </a:p>
@@ -9637,7 +9637,7 @@
                 </a:solidFill>
               </a:rPr>
               <a:pPr/>
-              <a:t>3/21/2021</a:t>
+              <a:t>3/28/2021</a:t>
             </a:fld>
             <a:endParaRPr kumimoji="0" lang="en-US" dirty="0"/>
           </a:p>
@@ -9942,7 +9942,7 @@
                 </a:solidFill>
               </a:rPr>
               <a:pPr/>
-              <a:t>3/21/2021</a:t>
+              <a:t>3/28/2021</a:t>
             </a:fld>
             <a:endParaRPr kumimoji="0" lang="en-US" dirty="0"/>
           </a:p>
@@ -10418,7 +10418,7 @@
                 </a:solidFill>
               </a:rPr>
               <a:pPr/>
-              <a:t>3/21/2021</a:t>
+              <a:t>3/28/2021</a:t>
             </a:fld>
             <a:endParaRPr kumimoji="0" lang="en-US" dirty="0"/>
           </a:p>
@@ -10655,7 +10655,7 @@
                 </a:solidFill>
               </a:rPr>
               <a:pPr/>
-              <a:t>3/21/2021</a:t>
+              <a:t>3/28/2021</a:t>
             </a:fld>
             <a:endParaRPr kumimoji="0" lang="en-US" sz="1200" dirty="0">
               <a:solidFill>
@@ -11575,7 +11575,7 @@
     </p:spTree>
     <p:extLst>
       <p:ext uri="{BB962C8B-B14F-4D97-AF65-F5344CB8AC3E}">
-        <p14:creationId xmlns="" xmlns:p14="http://schemas.microsoft.com/office/powerpoint/2010/main" val="522405798"/>
+        <p14:creationId xmlns:p14="http://schemas.microsoft.com/office/powerpoint/2010/main" xmlns="" val="522405798"/>
       </p:ext>
     </p:extLst>
   </p:cSld>
@@ -11846,7 +11846,7 @@
     </p:spTree>
     <p:extLst>
       <p:ext uri="{BB962C8B-B14F-4D97-AF65-F5344CB8AC3E}">
-        <p14:creationId xmlns="" xmlns:p14="http://schemas.microsoft.com/office/powerpoint/2010/main" val="522405798"/>
+        <p14:creationId xmlns:p14="http://schemas.microsoft.com/office/powerpoint/2010/main" xmlns="" val="522405798"/>
       </p:ext>
     </p:extLst>
   </p:cSld>
@@ -11963,7 +11963,7 @@
     </p:spTree>
     <p:extLst>
       <p:ext uri="{BB962C8B-B14F-4D97-AF65-F5344CB8AC3E}">
-        <p14:creationId xmlns="" xmlns:p14="http://schemas.microsoft.com/office/powerpoint/2010/main" val="522405798"/>
+        <p14:creationId xmlns:p14="http://schemas.microsoft.com/office/powerpoint/2010/main" xmlns="" val="522405798"/>
       </p:ext>
     </p:extLst>
   </p:cSld>
@@ -12112,7 +12112,7 @@
     </p:spTree>
     <p:extLst>
       <p:ext uri="{BB962C8B-B14F-4D97-AF65-F5344CB8AC3E}">
-        <p14:creationId xmlns="" xmlns:p14="http://schemas.microsoft.com/office/powerpoint/2010/main" val="522405798"/>
+        <p14:creationId xmlns:p14="http://schemas.microsoft.com/office/powerpoint/2010/main" xmlns="" val="522405798"/>
       </p:ext>
     </p:extLst>
   </p:cSld>
@@ -12454,7 +12454,7 @@
     </p:spTree>
     <p:extLst>
       <p:ext uri="{BB962C8B-B14F-4D97-AF65-F5344CB8AC3E}">
-        <p14:creationId xmlns="" xmlns:p14="http://schemas.microsoft.com/office/powerpoint/2010/main" val="522405798"/>
+        <p14:creationId xmlns:p14="http://schemas.microsoft.com/office/powerpoint/2010/main" xmlns="" val="522405798"/>
       </p:ext>
     </p:extLst>
   </p:cSld>
@@ -12725,7 +12725,7 @@
     </p:spTree>
     <p:extLst>
       <p:ext uri="{BB962C8B-B14F-4D97-AF65-F5344CB8AC3E}">
-        <p14:creationId xmlns="" xmlns:p14="http://schemas.microsoft.com/office/powerpoint/2010/main" val="522405798"/>
+        <p14:creationId xmlns:p14="http://schemas.microsoft.com/office/powerpoint/2010/main" xmlns="" val="522405798"/>
       </p:ext>
     </p:extLst>
   </p:cSld>
@@ -12874,7 +12874,7 @@
     </p:spTree>
     <p:extLst>
       <p:ext uri="{BB962C8B-B14F-4D97-AF65-F5344CB8AC3E}">
-        <p14:creationId xmlns="" xmlns:p14="http://schemas.microsoft.com/office/powerpoint/2010/main" val="522405798"/>
+        <p14:creationId xmlns:p14="http://schemas.microsoft.com/office/powerpoint/2010/main" xmlns="" val="522405798"/>
       </p:ext>
     </p:extLst>
   </p:cSld>
@@ -13145,7 +13145,7 @@
     </p:spTree>
     <p:extLst>
       <p:ext uri="{BB962C8B-B14F-4D97-AF65-F5344CB8AC3E}">
-        <p14:creationId xmlns="" xmlns:p14="http://schemas.microsoft.com/office/powerpoint/2010/main" val="522405798"/>
+        <p14:creationId xmlns:p14="http://schemas.microsoft.com/office/powerpoint/2010/main" xmlns="" val="522405798"/>
       </p:ext>
     </p:extLst>
   </p:cSld>
@@ -13294,7 +13294,7 @@
     </p:spTree>
     <p:extLst>
       <p:ext uri="{BB962C8B-B14F-4D97-AF65-F5344CB8AC3E}">
-        <p14:creationId xmlns="" xmlns:p14="http://schemas.microsoft.com/office/powerpoint/2010/main" val="522405798"/>
+        <p14:creationId xmlns:p14="http://schemas.microsoft.com/office/powerpoint/2010/main" xmlns="" val="522405798"/>
       </p:ext>
     </p:extLst>
   </p:cSld>
@@ -13607,7 +13607,7 @@
     </p:spTree>
     <p:extLst>
       <p:ext uri="{BB962C8B-B14F-4D97-AF65-F5344CB8AC3E}">
-        <p14:creationId xmlns="" xmlns:p14="http://schemas.microsoft.com/office/powerpoint/2010/main" val="522405798"/>
+        <p14:creationId xmlns:p14="http://schemas.microsoft.com/office/powerpoint/2010/main" xmlns="" val="522405798"/>
       </p:ext>
     </p:extLst>
   </p:cSld>
@@ -13870,7 +13870,7 @@
     </p:spTree>
     <p:extLst>
       <p:ext uri="{BB962C8B-B14F-4D97-AF65-F5344CB8AC3E}">
-        <p14:creationId xmlns="" xmlns:p14="http://schemas.microsoft.com/office/powerpoint/2010/main" val="522405798"/>
+        <p14:creationId xmlns:p14="http://schemas.microsoft.com/office/powerpoint/2010/main" xmlns="" val="522405798"/>
       </p:ext>
     </p:extLst>
   </p:cSld>
@@ -14099,7 +14099,7 @@
     </p:spTree>
     <p:extLst>
       <p:ext uri="{BB962C8B-B14F-4D97-AF65-F5344CB8AC3E}">
-        <p14:creationId xmlns="" xmlns:p14="http://schemas.microsoft.com/office/powerpoint/2010/main" val="522405798"/>
+        <p14:creationId xmlns:p14="http://schemas.microsoft.com/office/powerpoint/2010/main" xmlns="" val="522405798"/>
       </p:ext>
     </p:extLst>
   </p:cSld>
@@ -14362,7 +14362,7 @@
     </p:spTree>
     <p:extLst>
       <p:ext uri="{BB962C8B-B14F-4D97-AF65-F5344CB8AC3E}">
-        <p14:creationId xmlns="" xmlns:p14="http://schemas.microsoft.com/office/powerpoint/2010/main" val="522405798"/>
+        <p14:creationId xmlns:p14="http://schemas.microsoft.com/office/powerpoint/2010/main" xmlns="" val="522405798"/>
       </p:ext>
     </p:extLst>
   </p:cSld>
@@ -14553,7 +14553,7 @@
     </p:spTree>
     <p:extLst>
       <p:ext uri="{BB962C8B-B14F-4D97-AF65-F5344CB8AC3E}">
-        <p14:creationId xmlns="" xmlns:p14="http://schemas.microsoft.com/office/powerpoint/2010/main" val="522405798"/>
+        <p14:creationId xmlns:p14="http://schemas.microsoft.com/office/powerpoint/2010/main" xmlns="" val="522405798"/>
       </p:ext>
     </p:extLst>
   </p:cSld>
@@ -14717,7 +14717,7 @@
     </p:spTree>
     <p:extLst>
       <p:ext uri="{BB962C8B-B14F-4D97-AF65-F5344CB8AC3E}">
-        <p14:creationId xmlns="" xmlns:p14="http://schemas.microsoft.com/office/powerpoint/2010/main" val="522405798"/>
+        <p14:creationId xmlns:p14="http://schemas.microsoft.com/office/powerpoint/2010/main" xmlns="" val="522405798"/>
       </p:ext>
     </p:extLst>
   </p:cSld>
@@ -14849,7 +14849,7 @@
     </p:spTree>
     <p:extLst>
       <p:ext uri="{BB962C8B-B14F-4D97-AF65-F5344CB8AC3E}">
-        <p14:creationId xmlns="" xmlns:p14="http://schemas.microsoft.com/office/powerpoint/2010/main" val="522405798"/>
+        <p14:creationId xmlns:p14="http://schemas.microsoft.com/office/powerpoint/2010/main" xmlns="" val="522405798"/>
       </p:ext>
     </p:extLst>
   </p:cSld>
@@ -16289,7 +16289,7 @@
     </p:spTree>
     <p:extLst>
       <p:ext uri="{BB962C8B-B14F-4D97-AF65-F5344CB8AC3E}">
-        <p14:creationId xmlns="" xmlns:p14="http://schemas.microsoft.com/office/powerpoint/2010/main" val="522405798"/>
+        <p14:creationId xmlns:p14="http://schemas.microsoft.com/office/powerpoint/2010/main" xmlns="" val="522405798"/>
       </p:ext>
     </p:extLst>
   </p:cSld>
@@ -16531,7 +16531,7 @@
     </p:spTree>
     <p:extLst>
       <p:ext uri="{BB962C8B-B14F-4D97-AF65-F5344CB8AC3E}">
-        <p14:creationId xmlns="" xmlns:p14="http://schemas.microsoft.com/office/powerpoint/2010/main" val="522405798"/>
+        <p14:creationId xmlns:p14="http://schemas.microsoft.com/office/powerpoint/2010/main" xmlns="" val="522405798"/>
       </p:ext>
     </p:extLst>
   </p:cSld>
@@ -16688,7 +16688,7 @@
     </p:spTree>
     <p:extLst>
       <p:ext uri="{BB962C8B-B14F-4D97-AF65-F5344CB8AC3E}">
-        <p14:creationId xmlns="" xmlns:p14="http://schemas.microsoft.com/office/powerpoint/2010/main" val="522405798"/>
+        <p14:creationId xmlns:p14="http://schemas.microsoft.com/office/powerpoint/2010/main" xmlns="" val="522405798"/>
       </p:ext>
     </p:extLst>
   </p:cSld>
@@ -16925,7 +16925,7 @@
     </p:spTree>
     <p:extLst>
       <p:ext uri="{BB962C8B-B14F-4D97-AF65-F5344CB8AC3E}">
-        <p14:creationId xmlns="" xmlns:p14="http://schemas.microsoft.com/office/powerpoint/2010/main" val="522405798"/>
+        <p14:creationId xmlns:p14="http://schemas.microsoft.com/office/powerpoint/2010/main" xmlns="" val="522405798"/>
       </p:ext>
     </p:extLst>
   </p:cSld>
@@ -17133,7 +17133,7 @@
     </p:spTree>
     <p:extLst>
       <p:ext uri="{BB962C8B-B14F-4D97-AF65-F5344CB8AC3E}">
-        <p14:creationId xmlns="" xmlns:p14="http://schemas.microsoft.com/office/powerpoint/2010/main" val="522405798"/>
+        <p14:creationId xmlns:p14="http://schemas.microsoft.com/office/powerpoint/2010/main" xmlns="" val="522405798"/>
       </p:ext>
     </p:extLst>
   </p:cSld>
@@ -17365,7 +17365,7 @@
     </p:spTree>
     <p:extLst>
       <p:ext uri="{BB962C8B-B14F-4D97-AF65-F5344CB8AC3E}">
-        <p14:creationId xmlns="" xmlns:p14="http://schemas.microsoft.com/office/powerpoint/2010/main" val="522405798"/>
+        <p14:creationId xmlns:p14="http://schemas.microsoft.com/office/powerpoint/2010/main" xmlns="" val="522405798"/>
       </p:ext>
     </p:extLst>
   </p:cSld>
@@ -17529,7 +17529,7 @@
     </p:spTree>
     <p:extLst>
       <p:ext uri="{BB962C8B-B14F-4D97-AF65-F5344CB8AC3E}">
-        <p14:creationId xmlns="" xmlns:p14="http://schemas.microsoft.com/office/powerpoint/2010/main" val="522405798"/>
+        <p14:creationId xmlns:p14="http://schemas.microsoft.com/office/powerpoint/2010/main" xmlns="" val="522405798"/>
       </p:ext>
     </p:extLst>
   </p:cSld>
@@ -17782,7 +17782,7 @@
     </p:spTree>
     <p:extLst>
       <p:ext uri="{BB962C8B-B14F-4D97-AF65-F5344CB8AC3E}">
-        <p14:creationId xmlns="" xmlns:p14="http://schemas.microsoft.com/office/powerpoint/2010/main" val="522405798"/>
+        <p14:creationId xmlns:p14="http://schemas.microsoft.com/office/powerpoint/2010/main" xmlns="" val="522405798"/>
       </p:ext>
     </p:extLst>
   </p:cSld>
@@ -17914,7 +17914,7 @@
     </p:spTree>
     <p:extLst>
       <p:ext uri="{BB962C8B-B14F-4D97-AF65-F5344CB8AC3E}">
-        <p14:creationId xmlns="" xmlns:p14="http://schemas.microsoft.com/office/powerpoint/2010/main" val="522405798"/>
+        <p14:creationId xmlns:p14="http://schemas.microsoft.com/office/powerpoint/2010/main" xmlns="" val="522405798"/>
       </p:ext>
     </p:extLst>
   </p:cSld>
@@ -18063,7 +18063,7 @@
     </p:spTree>
     <p:extLst>
       <p:ext uri="{BB962C8B-B14F-4D97-AF65-F5344CB8AC3E}">
-        <p14:creationId xmlns="" xmlns:p14="http://schemas.microsoft.com/office/powerpoint/2010/main" val="522405798"/>
+        <p14:creationId xmlns:p14="http://schemas.microsoft.com/office/powerpoint/2010/main" xmlns="" val="522405798"/>
       </p:ext>
     </p:extLst>
   </p:cSld>
@@ -18380,7 +18380,7 @@
     </p:spTree>
     <p:extLst>
       <p:ext uri="{BB962C8B-B14F-4D97-AF65-F5344CB8AC3E}">
-        <p14:creationId xmlns="" xmlns:p14="http://schemas.microsoft.com/office/powerpoint/2010/main" val="522405798"/>
+        <p14:creationId xmlns:p14="http://schemas.microsoft.com/office/powerpoint/2010/main" xmlns="" val="522405798"/>
       </p:ext>
     </p:extLst>
   </p:cSld>
